--- a/数字图像处理答辩.pptx
+++ b/数字图像处理答辩.pptx
@@ -507,7 +507,11 @@
           <a:p>
             <a:r>
               <a:rPr lang="zh-CN" altLang="en-US"/>
-              <a:t>尊敬的评委，各位同学，早上好，我叫刘欣伟，我们的小组成员还有蒋宇帆、李天亮同学，我们组的主要分工是，我主要负责的是水果识别的算法，李天亮主要负责的是Matlab 的 GUI 制作，蒋宇帆主要负责的是 实验的跟踪和总结以及PPT的制作</a:t>
+              <a:t>尊敬的老师</a:t>
+            </a:r>
+            <a:r>
+              <a:rPr lang="zh-CN" altLang="en-US"/>
+              <a:t>，各位同学，早上好，我叫刘欣伟，我们的小组成员还有蒋宇帆、李天亮同学，我们组的主要分工是，我主要负责的是水果识别的算法，李天亮主要负责的是Matlab 的 GUI 制作，蒋宇帆主要负责的是 实验的跟踪和总结以及PPT的制作</a:t>
             </a:r>
             <a:endParaRPr lang="zh-CN" altLang="en-US"/>
           </a:p>
